--- a/labs/WSAA07.02 databasesed.pptx
+++ b/labs/WSAA07.02 databasesed.pptx
@@ -298,7 +298,7 @@
             <a:pPr algn="r">
               <a:buNone/>
             </a:pPr>
-            <a:fld id="{365D1E31-7A8E-4AF7-8715-7B393AB04EC3}" type="slidenum">
+            <a:fld id="{58B045C6-D2CB-4418-BD64-E3EA91874D3A}" type="slidenum">
               <a:rPr b="0" lang="en-IE" sz="1400" spc="-1" strike="noStrike">
                 <a:latin typeface="Times New Roman"/>
               </a:rPr>
@@ -346,7 +346,7 @@
         <p:spPr>
           <a:xfrm>
             <a:off x="216000" y="812520"/>
-            <a:ext cx="7126920" cy="4008600"/>
+            <a:ext cx="7126560" cy="4008240"/>
           </a:xfrm>
           <a:prstGeom prst="rect">
             <a:avLst/>
@@ -369,7 +369,7 @@
         <p:spPr>
           <a:xfrm>
             <a:off x="756000" y="5078520"/>
-            <a:ext cx="6047280" cy="4810680"/>
+            <a:ext cx="6046920" cy="4810320"/>
           </a:xfrm>
           <a:prstGeom prst="rect">
             <a:avLst/>
@@ -389,6 +389,9 @@
                 <a:spcPct val="100000"/>
               </a:lnSpc>
               <a:buNone/>
+              <a:tabLst>
+                <a:tab algn="l" pos="0"/>
+              </a:tabLst>
             </a:pPr>
             <a:r>
               <a:rPr b="0" lang="en-IE" sz="2000" spc="-1" strike="noStrike">
@@ -412,6 +415,9 @@
                 <a:spcPct val="100000"/>
               </a:lnSpc>
               <a:buNone/>
+              <a:tabLst>
+                <a:tab algn="l" pos="0"/>
+              </a:tabLst>
             </a:pPr>
             <a:endParaRPr b="0" lang="en-IE" sz="2000" spc="-1" strike="noStrike">
               <a:latin typeface="Arial"/>
@@ -423,6 +429,9 @@
                 <a:spcPct val="100000"/>
               </a:lnSpc>
               <a:buNone/>
+              <a:tabLst>
+                <a:tab algn="l" pos="0"/>
+              </a:tabLst>
             </a:pPr>
             <a:r>
               <a:rPr b="0" lang="en-IE" sz="2000" spc="-1" strike="noStrike">
@@ -446,6 +455,9 @@
                 <a:spcPct val="100000"/>
               </a:lnSpc>
               <a:buNone/>
+              <a:tabLst>
+                <a:tab algn="l" pos="0"/>
+              </a:tabLst>
             </a:pPr>
             <a:r>
               <a:rPr b="0" lang="en-IE" sz="2000" spc="-1" strike="noStrike">
@@ -459,6 +471,102 @@
               </a:rPr>
               <a:t>Creating a DAO that encapsulates the interactions with the Database</a:t>
             </a:r>
+            <a:endParaRPr b="0" lang="en-IE" sz="2000" spc="-1" strike="noStrike">
+              <a:latin typeface="Arial"/>
+            </a:endParaRPr>
+          </a:p>
+        </p:txBody>
+      </p:sp>
+    </p:spTree>
+  </p:cSld>
+</p:notes>
+</file>
+
+<file path=ppt/notesSlides/notesSlide2.xml><?xml version="1.0" encoding="utf-8"?>
+<p:notes xmlns:a="http://schemas.openxmlformats.org/drawingml/2006/main" xmlns:p="http://schemas.openxmlformats.org/presentationml/2006/main" xmlns:r="http://schemas.openxmlformats.org/officeDocument/2006/relationships" xmlns:p14="http://schemas.microsoft.com/office/powerpoint/2010/main" xmlns:p15="http://schemas.microsoft.com/office/powerpoint/2012/main" xmlns:mc="http://schemas.openxmlformats.org/markup-compatibility/2006">
+  <p:cSld>
+    <p:spTree>
+      <p:nvGrpSpPr>
+        <p:cNvPr id="1" name=""/>
+        <p:cNvGrpSpPr/>
+        <p:nvPr/>
+      </p:nvGrpSpPr>
+      <p:grpSpPr>
+        <a:xfrm>
+          <a:off x="0" y="0"/>
+          <a:ext cx="0" cy="0"/>
+          <a:chOff x="0" y="0"/>
+          <a:chExt cx="0" cy="0"/>
+        </a:xfrm>
+      </p:grpSpPr>
+      <p:sp>
+        <p:nvSpPr>
+          <p:cNvPr id="115" name="PlaceHolder 1"/>
+          <p:cNvSpPr>
+            <a:spLocks noGrp="1"/>
+          </p:cNvSpPr>
+          <p:nvPr>
+            <p:ph type="sldImg"/>
+          </p:nvPr>
+        </p:nvSpPr>
+        <p:spPr>
+          <a:xfrm>
+            <a:off x="216000" y="812520"/>
+            <a:ext cx="7127280" cy="4008960"/>
+          </a:xfrm>
+          <a:prstGeom prst="rect">
+            <a:avLst/>
+          </a:prstGeom>
+          <a:ln w="0">
+            <a:noFill/>
+          </a:ln>
+        </p:spPr>
+      </p:sp>
+      <p:sp>
+        <p:nvSpPr>
+          <p:cNvPr id="116" name="PlaceHolder 2"/>
+          <p:cNvSpPr>
+            <a:spLocks noGrp="1"/>
+          </p:cNvSpPr>
+          <p:nvPr>
+            <p:ph type="body"/>
+          </p:nvPr>
+        </p:nvSpPr>
+        <p:spPr>
+          <a:xfrm>
+            <a:off x="756000" y="5078520"/>
+            <a:ext cx="6047640" cy="4811040"/>
+          </a:xfrm>
+          <a:prstGeom prst="rect">
+            <a:avLst/>
+          </a:prstGeom>
+          <a:noFill/>
+          <a:ln w="0">
+            <a:noFill/>
+          </a:ln>
+        </p:spPr>
+        <p:txBody>
+          <a:bodyPr lIns="0" rIns="0" tIns="0" bIns="0" anchor="t">
+            <a:noAutofit/>
+          </a:bodyPr>
+          <a:p>
+            <a:r>
+              <a:rPr b="0" lang="en-IE" sz="2000" spc="-1" strike="noStrike">
+                <a:latin typeface="Arial"/>
+                <a:hlinkClick r:id="rId1"/>
+              </a:rPr>
+              <a:t>https://dev.mysql.com/doc/mysql-getting-started/en/</a:t>
+            </a:r>
+            <a:endParaRPr b="0" lang="en-IE" sz="2000" spc="-1" strike="noStrike">
+              <a:latin typeface="Arial"/>
+            </a:endParaRPr>
+          </a:p>
+          <a:p>
+            <a:endParaRPr b="0" lang="en-IE" sz="2000" spc="-1" strike="noStrike">
+              <a:latin typeface="Arial"/>
+            </a:endParaRPr>
+          </a:p>
+          <a:p>
             <a:endParaRPr b="0" lang="en-IE" sz="2000" spc="-1" strike="noStrike">
               <a:latin typeface="Arial"/>
             </a:endParaRPr>
@@ -521,7 +629,7 @@
         <p:txBody>
           <a:bodyPr/>
           <a:p>
-            <a:fld id="{88C2C3C7-92AD-42F5-86FB-7021EBA30425}" type="slidenum">
+            <a:fld id="{60202BBD-0E57-4EC4-A478-248D25EA0A2F}" type="slidenum">
               <a:t>&lt;#&gt;</a:t>
             </a:fld>
           </a:p>
@@ -709,7 +817,7 @@
         <p:txBody>
           <a:bodyPr/>
           <a:p>
-            <a:fld id="{E000E980-AF2F-4C7A-A6FC-E03FA9D4F972}" type="slidenum">
+            <a:fld id="{1BA2B303-16B3-4DB4-B54B-88C097F311F8}" type="slidenum">
               <a:t>&lt;#&gt;</a:t>
             </a:fld>
           </a:p>
@@ -965,7 +1073,7 @@
         <p:txBody>
           <a:bodyPr/>
           <a:p>
-            <a:fld id="{CF2EB86A-8CA9-45F8-A585-7D86FA081141}" type="slidenum">
+            <a:fld id="{A1968EA4-9BAA-4BFB-BB26-4811D7C5AECE}" type="slidenum">
               <a:t>&lt;#&gt;</a:t>
             </a:fld>
           </a:p>
@@ -1289,7 +1397,7 @@
         <p:txBody>
           <a:bodyPr/>
           <a:p>
-            <a:fld id="{6E479458-10C1-4544-B852-6F1FCF067393}" type="slidenum">
+            <a:fld id="{9575E963-4A4F-4D95-B009-F6ABF6015BEB}" type="slidenum">
               <a:t>&lt;#&gt;</a:t>
             </a:fld>
           </a:p>
@@ -1372,7 +1480,7 @@
         <p:txBody>
           <a:bodyPr/>
           <a:p>
-            <a:fld id="{97FCC782-438C-4778-B5B7-2B9F5302BE09}" type="slidenum">
+            <a:fld id="{10B6A7CF-7683-4489-B761-7FC7D8C62FF2}" type="slidenum">
               <a:t>&lt;#&gt;</a:t>
             </a:fld>
           </a:p>
@@ -1529,7 +1637,7 @@
         <p:txBody>
           <a:bodyPr/>
           <a:p>
-            <a:fld id="{85DD8B78-BB6A-4F39-863F-CB671E0A5B2E}" type="slidenum">
+            <a:fld id="{08A4CA0C-0A06-4CD8-9BE9-674A43F4DBE5}" type="slidenum">
               <a:t>&lt;#&gt;</a:t>
             </a:fld>
           </a:p>
@@ -1683,7 +1791,7 @@
         <p:txBody>
           <a:bodyPr/>
           <a:p>
-            <a:fld id="{B424187C-9DE0-49AC-ADCF-A7B49FC80982}" type="slidenum">
+            <a:fld id="{AA7B6FDB-5F77-45E6-A87E-A1F4A664EC17}" type="slidenum">
               <a:t>&lt;#&gt;</a:t>
             </a:fld>
           </a:p>
@@ -1871,7 +1979,7 @@
         <p:txBody>
           <a:bodyPr/>
           <a:p>
-            <a:fld id="{D4F6D508-52F1-479F-8371-7F1CFFB67996}" type="slidenum">
+            <a:fld id="{8B1493CE-E73E-47EE-AA21-DD3E76B2B062}" type="slidenum">
               <a:t>&lt;#&gt;</a:t>
             </a:fld>
           </a:p>
@@ -1991,7 +2099,7 @@
         <p:txBody>
           <a:bodyPr/>
           <a:p>
-            <a:fld id="{79D2750B-134C-4E65-90D1-E9968C33EFC0}" type="slidenum">
+            <a:fld id="{3696EB1C-E27E-45F3-B04E-3AD4B2E87FBE}" type="slidenum">
               <a:t>&lt;#&gt;</a:t>
             </a:fld>
           </a:p>
@@ -2111,7 +2219,7 @@
         <p:txBody>
           <a:bodyPr/>
           <a:p>
-            <a:fld id="{6E3AA04B-F00D-4545-A88A-70053B5A2409}" type="slidenum">
+            <a:fld id="{2A36BA75-D0FC-40BF-8684-7893CBAADF81}" type="slidenum">
               <a:t>&lt;#&gt;</a:t>
             </a:fld>
           </a:p>
@@ -2333,7 +2441,7 @@
         <p:txBody>
           <a:bodyPr/>
           <a:p>
-            <a:fld id="{F61B0786-FE87-433A-BE7C-537DE6AED63C}" type="slidenum">
+            <a:fld id="{128F562B-B44B-4004-9339-25EC628F92AA}" type="slidenum">
               <a:t>&lt;#&gt;</a:t>
             </a:fld>
           </a:p>
@@ -2490,7 +2598,7 @@
         <p:txBody>
           <a:bodyPr/>
           <a:p>
-            <a:fld id="{530AF44C-D5C3-41E9-9EDA-4D6DA6D486F3}" type="slidenum">
+            <a:fld id="{8A1A5D85-E216-41A1-9502-012E81A16052}" type="slidenum">
               <a:t>&lt;#&gt;</a:t>
             </a:fld>
           </a:p>
@@ -2712,7 +2820,7 @@
         <p:txBody>
           <a:bodyPr/>
           <a:p>
-            <a:fld id="{4A5DBC54-5566-4625-AA0E-D8095D61AF7E}" type="slidenum">
+            <a:fld id="{B7A89EE5-F4BA-41A4-A347-2FA283CE1542}" type="slidenum">
               <a:t>&lt;#&gt;</a:t>
             </a:fld>
           </a:p>
@@ -2934,7 +3042,7 @@
         <p:txBody>
           <a:bodyPr/>
           <a:p>
-            <a:fld id="{F9BAF1B3-B654-408F-8730-E82C0026F7B3}" type="slidenum">
+            <a:fld id="{48D11C4D-E4A9-4A77-BC46-6E3E6B88C336}" type="slidenum">
               <a:t>&lt;#&gt;</a:t>
             </a:fld>
           </a:p>
@@ -3122,7 +3230,7 @@
         <p:txBody>
           <a:bodyPr/>
           <a:p>
-            <a:fld id="{E03658E7-6486-4A11-BA2F-0AFA8424626E}" type="slidenum">
+            <a:fld id="{0173167B-75E3-4079-B27C-231D1C6B629F}" type="slidenum">
               <a:t>&lt;#&gt;</a:t>
             </a:fld>
           </a:p>
@@ -3378,7 +3486,7 @@
         <p:txBody>
           <a:bodyPr/>
           <a:p>
-            <a:fld id="{EC6A98B4-4028-4656-BC79-16CB2DA87E17}" type="slidenum">
+            <a:fld id="{99F01F17-4D64-4831-A819-96D304B1E683}" type="slidenum">
               <a:t>&lt;#&gt;</a:t>
             </a:fld>
           </a:p>
@@ -3702,7 +3810,7 @@
         <p:txBody>
           <a:bodyPr/>
           <a:p>
-            <a:fld id="{4F0D1874-AAD1-46E8-A87D-58F4190501A6}" type="slidenum">
+            <a:fld id="{F7952F0A-EFF9-47A7-823E-F2068101FF7D}" type="slidenum">
               <a:t>&lt;#&gt;</a:t>
             </a:fld>
           </a:p>
@@ -3856,7 +3964,7 @@
         <p:txBody>
           <a:bodyPr/>
           <a:p>
-            <a:fld id="{40BF15AA-EC3D-4493-8922-D746A8B37FDF}" type="slidenum">
+            <a:fld id="{C1E89BE2-31F7-45D5-845A-2C6B86470F99}" type="slidenum">
               <a:t>&lt;#&gt;</a:t>
             </a:fld>
           </a:p>
@@ -4044,7 +4152,7 @@
         <p:txBody>
           <a:bodyPr/>
           <a:p>
-            <a:fld id="{B5D2042F-04F7-4A7D-87D0-AE552F207479}" type="slidenum">
+            <a:fld id="{4594D497-9C1F-40D7-B0D7-11A82DC8B12A}" type="slidenum">
               <a:t>&lt;#&gt;</a:t>
             </a:fld>
           </a:p>
@@ -4164,7 +4272,7 @@
         <p:txBody>
           <a:bodyPr/>
           <a:p>
-            <a:fld id="{8451C4F1-0732-48D8-92FE-B799B4340BC2}" type="slidenum">
+            <a:fld id="{CA160A34-6A3D-4090-9E44-8AAB60E7AF81}" type="slidenum">
               <a:t>&lt;#&gt;</a:t>
             </a:fld>
           </a:p>
@@ -4284,7 +4392,7 @@
         <p:txBody>
           <a:bodyPr/>
           <a:p>
-            <a:fld id="{5D254594-CF65-4128-B138-A5BD3F60406C}" type="slidenum">
+            <a:fld id="{B9CB7487-69E8-43D9-AB82-B71EFB32E77D}" type="slidenum">
               <a:t>&lt;#&gt;</a:t>
             </a:fld>
           </a:p>
@@ -4506,7 +4614,7 @@
         <p:txBody>
           <a:bodyPr/>
           <a:p>
-            <a:fld id="{5112F3D6-41A2-4630-AF78-184091A3242E}" type="slidenum">
+            <a:fld id="{E27308D4-5199-44C0-AF61-EE81906CD9C3}" type="slidenum">
               <a:t>&lt;#&gt;</a:t>
             </a:fld>
           </a:p>
@@ -4728,7 +4836,7 @@
         <p:txBody>
           <a:bodyPr/>
           <a:p>
-            <a:fld id="{6C39533D-77DA-45BB-85B5-9084985DC8E1}" type="slidenum">
+            <a:fld id="{E7D7085F-C4EF-4C15-9431-3F651AF5268A}" type="slidenum">
               <a:t>&lt;#&gt;</a:t>
             </a:fld>
           </a:p>
@@ -4950,7 +5058,7 @@
         <p:txBody>
           <a:bodyPr/>
           <a:p>
-            <a:fld id="{551DB41C-A2B8-4992-A239-39BDB743AD5D}" type="slidenum">
+            <a:fld id="{EEFC3958-0384-4F8A-8C48-CC21F65806B0}" type="slidenum">
               <a:t>&lt;#&gt;</a:t>
             </a:fld>
           </a:p>
@@ -5015,9 +5123,9 @@
         <p:grpSpPr>
           <a:xfrm>
             <a:off x="11401560" y="6229800"/>
-            <a:ext cx="456480" cy="456480"/>
+            <a:ext cx="456120" cy="456120"/>
             <a:chOff x="11401560" y="6229800"/>
-            <a:chExt cx="456480" cy="456480"/>
+            <a:chExt cx="456120" cy="456120"/>
           </a:xfrm>
         </p:grpSpPr>
         <p:sp>
@@ -5029,7 +5137,7 @@
           <p:spPr>
             <a:xfrm>
               <a:off x="11401560" y="6229800"/>
-              <a:ext cx="456480" cy="456480"/>
+              <a:ext cx="456120" cy="456120"/>
             </a:xfrm>
             <a:prstGeom prst="ellipse">
               <a:avLst/>
@@ -5059,7 +5167,7 @@
           <p:spPr>
             <a:xfrm>
               <a:off x="11431080" y="6258960"/>
-              <a:ext cx="398160" cy="398160"/>
+              <a:ext cx="397800" cy="397800"/>
             </a:xfrm>
             <a:prstGeom prst="ellipse">
               <a:avLst/>
@@ -5089,7 +5197,7 @@
         <p:spPr>
           <a:xfrm>
             <a:off x="920880" y="1347120"/>
-            <a:ext cx="10222200" cy="79920"/>
+            <a:ext cx="10221840" cy="79560"/>
           </a:xfrm>
           <a:prstGeom prst="rect">
             <a:avLst/>
@@ -5129,7 +5237,7 @@
         <p:spPr>
           <a:xfrm>
             <a:off x="920880" y="4299840"/>
-            <a:ext cx="10222200" cy="79920"/>
+            <a:ext cx="10221840" cy="79560"/>
           </a:xfrm>
           <a:prstGeom prst="rect">
             <a:avLst/>
@@ -5169,7 +5277,7 @@
         <p:spPr>
           <a:xfrm>
             <a:off x="920880" y="1484640"/>
-            <a:ext cx="10222200" cy="2742480"/>
+            <a:ext cx="10221840" cy="2742120"/>
           </a:xfrm>
           <a:prstGeom prst="rect">
             <a:avLst/>
@@ -5209,9 +5317,9 @@
         <p:grpSpPr>
           <a:xfrm>
             <a:off x="9649080" y="4069080"/>
-            <a:ext cx="1080360" cy="1080360"/>
+            <a:ext cx="1080000" cy="1080000"/>
             <a:chOff x="9649080" y="4069080"/>
-            <a:chExt cx="1080360" cy="1080360"/>
+            <a:chExt cx="1080000" cy="1080000"/>
           </a:xfrm>
         </p:grpSpPr>
         <p:sp>
@@ -5223,7 +5331,7 @@
           <p:spPr>
             <a:xfrm>
               <a:off x="9649080" y="4069080"/>
-              <a:ext cx="1080360" cy="1080360"/>
+              <a:ext cx="1080000" cy="1080000"/>
             </a:xfrm>
             <a:prstGeom prst="ellipse">
               <a:avLst/>
@@ -5253,7 +5361,7 @@
           <p:spPr>
             <a:xfrm>
               <a:off x="9757440" y="4177080"/>
-              <a:ext cx="864000" cy="864000"/>
+              <a:ext cx="863640" cy="863640"/>
             </a:xfrm>
             <a:prstGeom prst="ellipse">
               <a:avLst/>
@@ -5286,8 +5394,8 @@
         </p:nvSpPr>
         <p:spPr>
           <a:xfrm>
-            <a:off x="1069920" y="484560"/>
-            <a:ext cx="10057680" cy="1608480"/>
+            <a:off x="609480" y="273600"/>
+            <a:ext cx="10972080" cy="1144440"/>
           </a:xfrm>
           <a:prstGeom prst="rect">
             <a:avLst/>
@@ -5321,13 +5429,196 @@
             <a:spLocks noGrp="1"/>
           </p:cNvSpPr>
           <p:nvPr>
+            <p:ph type="body"/>
+          </p:nvPr>
+        </p:nvSpPr>
+        <p:spPr>
+          <a:xfrm>
+            <a:off x="609480" y="1604520"/>
+            <a:ext cx="10972080" cy="3976920"/>
+          </a:xfrm>
+          <a:prstGeom prst="rect">
+            <a:avLst/>
+          </a:prstGeom>
+          <a:noFill/>
+          <a:ln w="0">
+            <a:noFill/>
+          </a:ln>
+        </p:spPr>
+        <p:txBody>
+          <a:bodyPr lIns="0" rIns="0" tIns="0" bIns="0" anchor="t">
+            <a:normAutofit/>
+          </a:bodyPr>
+          <a:p>
+            <a:pPr marL="432000" indent="-324000">
+              <a:spcBef>
+                <a:spcPts val="1417"/>
+              </a:spcBef>
+              <a:buClr>
+                <a:srgbClr val="000000"/>
+              </a:buClr>
+              <a:buSzPct val="45000"/>
+              <a:buFont typeface="Wingdings" charset="2"/>
+              <a:buChar char=""/>
+            </a:pPr>
+            <a:r>
+              <a:rPr b="0" lang="en-IE" sz="1800" spc="-1" strike="noStrike">
+                <a:latin typeface="Arial"/>
+              </a:rPr>
+              <a:t>Click to edit the outline text format</a:t>
+            </a:r>
+            <a:endParaRPr b="0" lang="en-IE" sz="1800" spc="-1" strike="noStrike">
+              <a:latin typeface="Arial"/>
+            </a:endParaRPr>
+          </a:p>
+          <a:p>
+            <a:pPr lvl="1" marL="864000" indent="-324000">
+              <a:spcBef>
+                <a:spcPts val="1134"/>
+              </a:spcBef>
+              <a:buClr>
+                <a:srgbClr val="000000"/>
+              </a:buClr>
+              <a:buSzPct val="75000"/>
+              <a:buFont typeface="Symbol" charset="2"/>
+              <a:buChar char=""/>
+            </a:pPr>
+            <a:r>
+              <a:rPr b="0" lang="en-IE" sz="1800" spc="-1" strike="noStrike">
+                <a:latin typeface="Arial"/>
+              </a:rPr>
+              <a:t>Second Outline Level</a:t>
+            </a:r>
+            <a:endParaRPr b="0" lang="en-IE" sz="1800" spc="-1" strike="noStrike">
+              <a:latin typeface="Arial"/>
+            </a:endParaRPr>
+          </a:p>
+          <a:p>
+            <a:pPr lvl="2" marL="1296000" indent="-288000">
+              <a:spcBef>
+                <a:spcPts val="850"/>
+              </a:spcBef>
+              <a:buClr>
+                <a:srgbClr val="000000"/>
+              </a:buClr>
+              <a:buSzPct val="45000"/>
+              <a:buFont typeface="Wingdings" charset="2"/>
+              <a:buChar char=""/>
+            </a:pPr>
+            <a:r>
+              <a:rPr b="0" lang="en-IE" sz="1800" spc="-1" strike="noStrike">
+                <a:latin typeface="Arial"/>
+              </a:rPr>
+              <a:t>Third Outline Level</a:t>
+            </a:r>
+            <a:endParaRPr b="0" lang="en-IE" sz="1800" spc="-1" strike="noStrike">
+              <a:latin typeface="Arial"/>
+            </a:endParaRPr>
+          </a:p>
+          <a:p>
+            <a:pPr lvl="3" marL="1728000" indent="-216000">
+              <a:spcBef>
+                <a:spcPts val="567"/>
+              </a:spcBef>
+              <a:buClr>
+                <a:srgbClr val="000000"/>
+              </a:buClr>
+              <a:buSzPct val="75000"/>
+              <a:buFont typeface="Symbol" charset="2"/>
+              <a:buChar char=""/>
+            </a:pPr>
+            <a:r>
+              <a:rPr b="0" lang="en-IE" sz="1800" spc="-1" strike="noStrike">
+                <a:latin typeface="Arial"/>
+              </a:rPr>
+              <a:t>Fourth Outline Level</a:t>
+            </a:r>
+            <a:endParaRPr b="0" lang="en-IE" sz="1800" spc="-1" strike="noStrike">
+              <a:latin typeface="Arial"/>
+            </a:endParaRPr>
+          </a:p>
+          <a:p>
+            <a:pPr lvl="4" marL="2160000" indent="-216000">
+              <a:spcBef>
+                <a:spcPts val="283"/>
+              </a:spcBef>
+              <a:buClr>
+                <a:srgbClr val="000000"/>
+              </a:buClr>
+              <a:buSzPct val="45000"/>
+              <a:buFont typeface="Wingdings" charset="2"/>
+              <a:buChar char=""/>
+            </a:pPr>
+            <a:r>
+              <a:rPr b="0" lang="en-IE" sz="1800" spc="-1" strike="noStrike">
+                <a:latin typeface="Arial"/>
+              </a:rPr>
+              <a:t>Fifth Outline Level</a:t>
+            </a:r>
+            <a:endParaRPr b="0" lang="en-IE" sz="1800" spc="-1" strike="noStrike">
+              <a:latin typeface="Arial"/>
+            </a:endParaRPr>
+          </a:p>
+          <a:p>
+            <a:pPr lvl="5" marL="2592000" indent="-216000">
+              <a:spcBef>
+                <a:spcPts val="283"/>
+              </a:spcBef>
+              <a:buClr>
+                <a:srgbClr val="000000"/>
+              </a:buClr>
+              <a:buSzPct val="45000"/>
+              <a:buFont typeface="Wingdings" charset="2"/>
+              <a:buChar char=""/>
+            </a:pPr>
+            <a:r>
+              <a:rPr b="0" lang="en-IE" sz="1800" spc="-1" strike="noStrike">
+                <a:latin typeface="Arial"/>
+              </a:rPr>
+              <a:t>Sixth Outline Level</a:t>
+            </a:r>
+            <a:endParaRPr b="0" lang="en-IE" sz="1800" spc="-1" strike="noStrike">
+              <a:latin typeface="Arial"/>
+            </a:endParaRPr>
+          </a:p>
+          <a:p>
+            <a:pPr lvl="6" marL="3024000" indent="-216000">
+              <a:spcBef>
+                <a:spcPts val="283"/>
+              </a:spcBef>
+              <a:buClr>
+                <a:srgbClr val="000000"/>
+              </a:buClr>
+              <a:buSzPct val="45000"/>
+              <a:buFont typeface="Wingdings" charset="2"/>
+              <a:buChar char=""/>
+            </a:pPr>
+            <a:r>
+              <a:rPr b="0" lang="en-IE" sz="1800" spc="-1" strike="noStrike">
+                <a:latin typeface="Arial"/>
+              </a:rPr>
+              <a:t>Seventh Outline Level</a:t>
+            </a:r>
+            <a:endParaRPr b="0" lang="en-IE" sz="1800" spc="-1" strike="noStrike">
+              <a:latin typeface="Arial"/>
+            </a:endParaRPr>
+          </a:p>
+        </p:txBody>
+      </p:sp>
+      <p:sp>
+        <p:nvSpPr>
+          <p:cNvPr id="11" name="PlaceHolder 3"/>
+          <p:cNvSpPr>
+            <a:spLocks noGrp="1"/>
+          </p:cNvSpPr>
+          <p:nvPr>
             <p:ph type="ftr" idx="1"/>
           </p:nvPr>
         </p:nvSpPr>
         <p:spPr>
           <a:xfrm>
             <a:off x="1088280" y="6272640"/>
-            <a:ext cx="6327000" cy="364320"/>
+            <a:ext cx="6326640" cy="363960"/>
           </a:xfrm>
           <a:prstGeom prst="rect">
             <a:avLst/>
@@ -5373,7 +5664,7 @@
       </p:sp>
       <p:sp>
         <p:nvSpPr>
-          <p:cNvPr id="11" name="PlaceHolder 3"/>
+          <p:cNvPr id="12" name="PlaceHolder 4"/>
           <p:cNvSpPr>
             <a:spLocks noGrp="1"/>
           </p:cNvSpPr>
@@ -5384,7 +5675,7 @@
         <p:spPr>
           <a:xfrm>
             <a:off x="9592560" y="4289400"/>
-            <a:ext cx="1193040" cy="639360"/>
+            <a:ext cx="1192680" cy="639000"/>
           </a:xfrm>
           <a:prstGeom prst="rect">
             <a:avLst/>
@@ -5419,7 +5710,7 @@
               </a:lnSpc>
               <a:buNone/>
             </a:pPr>
-            <a:fld id="{63CE4B37-A974-4BC1-A459-62E0C0899D4B}" type="slidenum">
+            <a:fld id="{E6F938B2-4A6F-4D10-A28E-7A588E06B8A5}" type="slidenum">
               <a:rPr b="1" lang="en-US" sz="2800" spc="-1" strike="noStrike">
                 <a:solidFill>
                   <a:srgbClr val="ffffff"/>
@@ -5436,7 +5727,7 @@
       </p:sp>
       <p:sp>
         <p:nvSpPr>
-          <p:cNvPr id="12" name="PlaceHolder 4"/>
+          <p:cNvPr id="13" name="PlaceHolder 5"/>
           <p:cNvSpPr>
             <a:spLocks noGrp="1"/>
           </p:cNvSpPr>
@@ -5447,7 +5738,7 @@
         <p:spPr>
           <a:xfrm>
             <a:off x="7964280" y="6272640"/>
-            <a:ext cx="3272760" cy="364320"/>
+            <a:ext cx="3272400" cy="363960"/>
           </a:xfrm>
           <a:prstGeom prst="rect">
             <a:avLst/>
@@ -5477,189 +5768,6 @@
             </a:r>
             <a:endParaRPr b="0" lang="en-IE" sz="1400" spc="-1" strike="noStrike">
               <a:latin typeface="Times New Roman"/>
-            </a:endParaRPr>
-          </a:p>
-        </p:txBody>
-      </p:sp>
-      <p:sp>
-        <p:nvSpPr>
-          <p:cNvPr id="13" name="PlaceHolder 5"/>
-          <p:cNvSpPr>
-            <a:spLocks noGrp="1"/>
-          </p:cNvSpPr>
-          <p:nvPr>
-            <p:ph type="body"/>
-          </p:nvPr>
-        </p:nvSpPr>
-        <p:spPr>
-          <a:xfrm>
-            <a:off x="609480" y="1604520"/>
-            <a:ext cx="10972440" cy="3977280"/>
-          </a:xfrm>
-          <a:prstGeom prst="rect">
-            <a:avLst/>
-          </a:prstGeom>
-          <a:noFill/>
-          <a:ln w="0">
-            <a:noFill/>
-          </a:ln>
-        </p:spPr>
-        <p:txBody>
-          <a:bodyPr lIns="0" rIns="0" tIns="0" bIns="0" anchor="t">
-            <a:normAutofit/>
-          </a:bodyPr>
-          <a:p>
-            <a:pPr marL="432000" indent="-324000">
-              <a:spcBef>
-                <a:spcPts val="1417"/>
-              </a:spcBef>
-              <a:buClr>
-                <a:srgbClr val="000000"/>
-              </a:buClr>
-              <a:buSzPct val="45000"/>
-              <a:buFont typeface="Wingdings" charset="2"/>
-              <a:buChar char=""/>
-            </a:pPr>
-            <a:r>
-              <a:rPr b="0" lang="en-IE" sz="3200" spc="-1" strike="noStrike">
-                <a:latin typeface="Arial"/>
-              </a:rPr>
-              <a:t>Click to edit the outline text format</a:t>
-            </a:r>
-            <a:endParaRPr b="0" lang="en-IE" sz="3200" spc="-1" strike="noStrike">
-              <a:latin typeface="Arial"/>
-            </a:endParaRPr>
-          </a:p>
-          <a:p>
-            <a:pPr lvl="1" marL="864000" indent="-324000">
-              <a:spcBef>
-                <a:spcPts val="1134"/>
-              </a:spcBef>
-              <a:buClr>
-                <a:srgbClr val="000000"/>
-              </a:buClr>
-              <a:buSzPct val="75000"/>
-              <a:buFont typeface="Symbol" charset="2"/>
-              <a:buChar char=""/>
-            </a:pPr>
-            <a:r>
-              <a:rPr b="0" lang="en-IE" sz="2800" spc="-1" strike="noStrike">
-                <a:latin typeface="Arial"/>
-              </a:rPr>
-              <a:t>Second Outline Level</a:t>
-            </a:r>
-            <a:endParaRPr b="0" lang="en-IE" sz="2800" spc="-1" strike="noStrike">
-              <a:latin typeface="Arial"/>
-            </a:endParaRPr>
-          </a:p>
-          <a:p>
-            <a:pPr lvl="2" marL="1296000" indent="-288000">
-              <a:spcBef>
-                <a:spcPts val="850"/>
-              </a:spcBef>
-              <a:buClr>
-                <a:srgbClr val="000000"/>
-              </a:buClr>
-              <a:buSzPct val="45000"/>
-              <a:buFont typeface="Wingdings" charset="2"/>
-              <a:buChar char=""/>
-            </a:pPr>
-            <a:r>
-              <a:rPr b="0" lang="en-IE" sz="2400" spc="-1" strike="noStrike">
-                <a:latin typeface="Arial"/>
-              </a:rPr>
-              <a:t>Third Outline Level</a:t>
-            </a:r>
-            <a:endParaRPr b="0" lang="en-IE" sz="2400" spc="-1" strike="noStrike">
-              <a:latin typeface="Arial"/>
-            </a:endParaRPr>
-          </a:p>
-          <a:p>
-            <a:pPr lvl="3" marL="1728000" indent="-216000">
-              <a:spcBef>
-                <a:spcPts val="567"/>
-              </a:spcBef>
-              <a:buClr>
-                <a:srgbClr val="000000"/>
-              </a:buClr>
-              <a:buSzPct val="75000"/>
-              <a:buFont typeface="Symbol" charset="2"/>
-              <a:buChar char=""/>
-            </a:pPr>
-            <a:r>
-              <a:rPr b="0" lang="en-IE" sz="2000" spc="-1" strike="noStrike">
-                <a:latin typeface="Arial"/>
-              </a:rPr>
-              <a:t>Fourth Outline Level</a:t>
-            </a:r>
-            <a:endParaRPr b="0" lang="en-IE" sz="2000" spc="-1" strike="noStrike">
-              <a:latin typeface="Arial"/>
-            </a:endParaRPr>
-          </a:p>
-          <a:p>
-            <a:pPr lvl="4" marL="2160000" indent="-216000">
-              <a:spcBef>
-                <a:spcPts val="283"/>
-              </a:spcBef>
-              <a:buClr>
-                <a:srgbClr val="000000"/>
-              </a:buClr>
-              <a:buSzPct val="45000"/>
-              <a:buFont typeface="Wingdings" charset="2"/>
-              <a:buChar char=""/>
-            </a:pPr>
-            <a:r>
-              <a:rPr b="0" lang="en-IE" sz="2000" spc="-1" strike="noStrike">
-                <a:latin typeface="Arial"/>
-              </a:rPr>
-              <a:t>Fifth Outline Level</a:t>
-            </a:r>
-            <a:endParaRPr b="0" lang="en-IE" sz="2000" spc="-1" strike="noStrike">
-              <a:latin typeface="Arial"/>
-            </a:endParaRPr>
-          </a:p>
-          <a:p>
-            <a:pPr lvl="5" marL="2592000" indent="-216000">
-              <a:spcBef>
-                <a:spcPts val="283"/>
-              </a:spcBef>
-              <a:buClr>
-                <a:srgbClr val="000000"/>
-              </a:buClr>
-              <a:buSzPct val="45000"/>
-              <a:buFont typeface="Wingdings" charset="2"/>
-              <a:buChar char=""/>
-            </a:pPr>
-            <a:r>
-              <a:rPr b="0" lang="en-IE" sz="2000" spc="-1" strike="noStrike">
-                <a:latin typeface="Arial"/>
-              </a:rPr>
-              <a:t>Sixth Outline Level</a:t>
-            </a:r>
-            <a:endParaRPr b="0" lang="en-IE" sz="2000" spc="-1" strike="noStrike">
-              <a:latin typeface="Arial"/>
-            </a:endParaRPr>
-          </a:p>
-          <a:p>
-            <a:pPr lvl="6" marL="3024000" indent="-216000">
-              <a:spcBef>
-                <a:spcPts val="283"/>
-              </a:spcBef>
-              <a:buClr>
-                <a:srgbClr val="000000"/>
-              </a:buClr>
-              <a:buSzPct val="45000"/>
-              <a:buFont typeface="Wingdings" charset="2"/>
-              <a:buChar char=""/>
-            </a:pPr>
-            <a:r>
-              <a:rPr b="0" lang="en-IE" sz="2000" spc="-1" strike="noStrike">
-                <a:latin typeface="Arial"/>
-              </a:rPr>
-              <a:t>Seventh Outline Level</a:t>
-            </a:r>
-            <a:endParaRPr b="0" lang="en-IE" sz="2000" spc="-1" strike="noStrike">
-              <a:latin typeface="Arial"/>
             </a:endParaRPr>
           </a:p>
         </p:txBody>
@@ -5717,9 +5825,9 @@
         <p:grpSpPr>
           <a:xfrm>
             <a:off x="11401560" y="6229800"/>
-            <a:ext cx="456480" cy="456480"/>
+            <a:ext cx="456120" cy="456120"/>
             <a:chOff x="11401560" y="6229800"/>
-            <a:chExt cx="456480" cy="456480"/>
+            <a:chExt cx="456120" cy="456120"/>
           </a:xfrm>
         </p:grpSpPr>
         <p:sp>
@@ -5731,7 +5839,7 @@
           <p:spPr>
             <a:xfrm>
               <a:off x="11401560" y="6229800"/>
-              <a:ext cx="456480" cy="456480"/>
+              <a:ext cx="456120" cy="456120"/>
             </a:xfrm>
             <a:prstGeom prst="ellipse">
               <a:avLst/>
@@ -5761,7 +5869,7 @@
           <p:spPr>
             <a:xfrm>
               <a:off x="11431080" y="6258960"/>
-              <a:ext cx="398160" cy="398160"/>
+              <a:ext cx="397800" cy="397800"/>
             </a:xfrm>
             <a:prstGeom prst="ellipse">
               <a:avLst/>
@@ -5795,7 +5903,7 @@
         <p:spPr>
           <a:xfrm>
             <a:off x="1088280" y="6272640"/>
-            <a:ext cx="6327000" cy="364320"/>
+            <a:ext cx="6326640" cy="363960"/>
           </a:xfrm>
           <a:prstGeom prst="rect">
             <a:avLst/>
@@ -5852,7 +5960,7 @@
         <p:spPr>
           <a:xfrm>
             <a:off x="11311200" y="6272640"/>
-            <a:ext cx="639360" cy="364320"/>
+            <a:ext cx="639000" cy="363960"/>
           </a:xfrm>
           <a:prstGeom prst="rect">
             <a:avLst/>
@@ -5887,7 +5995,7 @@
               </a:lnSpc>
               <a:buNone/>
             </a:pPr>
-            <a:fld id="{B2F781E3-A6DF-4CC0-8D00-644F6FF9C4A4}" type="slidenum">
+            <a:fld id="{79ABB652-5D6A-417F-9F67-D3F8DC6AE839}" type="slidenum">
               <a:rPr b="1" lang="en-US" sz="1400" spc="-1" strike="noStrike">
                 <a:solidFill>
                   <a:srgbClr val="ffffff"/>
@@ -5915,7 +6023,7 @@
         <p:spPr>
           <a:xfrm>
             <a:off x="7964280" y="6272640"/>
-            <a:ext cx="3272760" cy="364320"/>
+            <a:ext cx="3272400" cy="363960"/>
           </a:xfrm>
           <a:prstGeom prst="rect">
             <a:avLst/>
@@ -6225,7 +6333,7 @@
         <p:spPr>
           <a:xfrm>
             <a:off x="1051560" y="1432080"/>
-            <a:ext cx="9966240" cy="3035160"/>
+            <a:ext cx="9965880" cy="3034800"/>
           </a:xfrm>
           <a:prstGeom prst="rect">
             <a:avLst/>
@@ -6271,7 +6379,7 @@
         <p:spPr>
           <a:xfrm>
             <a:off x="1069920" y="4389120"/>
-            <a:ext cx="7890480" cy="1069200"/>
+            <a:ext cx="7890120" cy="1068840"/>
           </a:xfrm>
           <a:prstGeom prst="rect">
             <a:avLst/>
@@ -6384,7 +6492,7 @@
         <p:spPr>
           <a:xfrm>
             <a:off x="1069920" y="484560"/>
-            <a:ext cx="10057680" cy="1608480"/>
+            <a:ext cx="10057320" cy="1608120"/>
           </a:xfrm>
           <a:prstGeom prst="rect">
             <a:avLst/>
@@ -6430,7 +6538,7 @@
         <p:spPr>
           <a:xfrm>
             <a:off x="1069920" y="2121480"/>
-            <a:ext cx="10057680" cy="4050000"/>
+            <a:ext cx="10057320" cy="4049640"/>
           </a:xfrm>
           <a:prstGeom prst="rect">
             <a:avLst/>
@@ -6738,7 +6846,7 @@
         <p:spPr>
           <a:xfrm>
             <a:off x="4415400" y="2203200"/>
-            <a:ext cx="1863000" cy="1186920"/>
+            <a:ext cx="1862640" cy="1186920"/>
           </a:xfrm>
           <a:prstGeom prst="rect">
             <a:avLst/>
@@ -6824,7 +6932,7 @@
         <p:spPr>
           <a:xfrm>
             <a:off x="1069920" y="484560"/>
-            <a:ext cx="10057680" cy="1608480"/>
+            <a:ext cx="10057320" cy="1608120"/>
           </a:xfrm>
           <a:prstGeom prst="rect">
             <a:avLst/>
@@ -6870,7 +6978,7 @@
         <p:spPr>
           <a:xfrm>
             <a:off x="1069920" y="2121480"/>
-            <a:ext cx="10057680" cy="4050000"/>
+            <a:ext cx="10057320" cy="4049640"/>
           </a:xfrm>
           <a:prstGeom prst="rect">
             <a:avLst/>
@@ -7093,7 +7201,7 @@
         <p:spPr>
           <a:xfrm>
             <a:off x="1069920" y="484560"/>
-            <a:ext cx="10057680" cy="1608480"/>
+            <a:ext cx="10057320" cy="1608120"/>
           </a:xfrm>
           <a:prstGeom prst="rect">
             <a:avLst/>
@@ -7139,7 +7247,7 @@
         <p:spPr>
           <a:xfrm>
             <a:off x="1069920" y="1613520"/>
-            <a:ext cx="10057680" cy="4958640"/>
+            <a:ext cx="10057320" cy="4958280"/>
           </a:xfrm>
           <a:prstGeom prst="rect">
             <a:avLst/>
@@ -7485,7 +7593,7 @@
         <p:spPr>
           <a:xfrm>
             <a:off x="6698520" y="1752120"/>
-            <a:ext cx="3337560" cy="363960"/>
+            <a:ext cx="3337200" cy="363960"/>
           </a:xfrm>
           <a:prstGeom prst="rect">
             <a:avLst/>
@@ -7549,8 +7657,8 @@
         </p:nvSpPr>
         <p:spPr>
           <a:xfrm flipH="1">
-            <a:off x="4434840" y="1845360"/>
-            <a:ext cx="3319920" cy="386280"/>
+            <a:off x="4434120" y="1845360"/>
+            <a:ext cx="3319560" cy="385920"/>
           </a:xfrm>
           <a:custGeom>
             <a:avLst/>
@@ -7633,7 +7741,7 @@
         <p:spPr>
           <a:xfrm>
             <a:off x="1069920" y="484560"/>
-            <a:ext cx="10057680" cy="1608480"/>
+            <a:ext cx="10057320" cy="1608120"/>
           </a:xfrm>
           <a:prstGeom prst="rect">
             <a:avLst/>
@@ -7679,7 +7787,7 @@
         <p:spPr>
           <a:xfrm>
             <a:off x="1069920" y="2121480"/>
-            <a:ext cx="10057680" cy="4050000"/>
+            <a:ext cx="10057320" cy="4049640"/>
           </a:xfrm>
           <a:prstGeom prst="rect">
             <a:avLst/>
